--- a/新しいフォルダー/2024後期ゲーム企画書.pptx
+++ b/新しいフォルダー/2024後期ゲーム企画書.pptx
@@ -262,7 +262,7 @@
           <a:p>
             <a:fld id="{1E5ACCFD-1DF3-462C-887A-F56A8B6C9A63}" type="datetimeFigureOut">
               <a:rPr kumimoji="1" lang="ja-JP" altLang="en-US" smtClean="0"/>
-              <a:t>2024/10/10</a:t>
+              <a:t>2024/10/22</a:t>
             </a:fld>
             <a:endParaRPr kumimoji="1" lang="ja-JP" altLang="en-US"/>
           </a:p>
@@ -492,7 +492,7 @@
           <a:p>
             <a:fld id="{1E5ACCFD-1DF3-462C-887A-F56A8B6C9A63}" type="datetimeFigureOut">
               <a:rPr kumimoji="1" lang="ja-JP" altLang="en-US" smtClean="0"/>
-              <a:t>2024/10/10</a:t>
+              <a:t>2024/10/22</a:t>
             </a:fld>
             <a:endParaRPr kumimoji="1" lang="ja-JP" altLang="en-US"/>
           </a:p>
@@ -732,7 +732,7 @@
           <a:p>
             <a:fld id="{1E5ACCFD-1DF3-462C-887A-F56A8B6C9A63}" type="datetimeFigureOut">
               <a:rPr kumimoji="1" lang="ja-JP" altLang="en-US" smtClean="0"/>
-              <a:t>2024/10/10</a:t>
+              <a:t>2024/10/22</a:t>
             </a:fld>
             <a:endParaRPr kumimoji="1" lang="ja-JP" altLang="en-US"/>
           </a:p>
@@ -962,7 +962,7 @@
           <a:p>
             <a:fld id="{1E5ACCFD-1DF3-462C-887A-F56A8B6C9A63}" type="datetimeFigureOut">
               <a:rPr kumimoji="1" lang="ja-JP" altLang="en-US" smtClean="0"/>
-              <a:t>2024/10/10</a:t>
+              <a:t>2024/10/22</a:t>
             </a:fld>
             <a:endParaRPr kumimoji="1" lang="ja-JP" altLang="en-US"/>
           </a:p>
@@ -1237,7 +1237,7 @@
           <a:p>
             <a:fld id="{1E5ACCFD-1DF3-462C-887A-F56A8B6C9A63}" type="datetimeFigureOut">
               <a:rPr kumimoji="1" lang="ja-JP" altLang="en-US" smtClean="0"/>
-              <a:t>2024/10/10</a:t>
+              <a:t>2024/10/22</a:t>
             </a:fld>
             <a:endParaRPr kumimoji="1" lang="ja-JP" altLang="en-US"/>
           </a:p>
@@ -1566,7 +1566,7 @@
           <a:p>
             <a:fld id="{1E5ACCFD-1DF3-462C-887A-F56A8B6C9A63}" type="datetimeFigureOut">
               <a:rPr kumimoji="1" lang="ja-JP" altLang="en-US" smtClean="0"/>
-              <a:t>2024/10/10</a:t>
+              <a:t>2024/10/22</a:t>
             </a:fld>
             <a:endParaRPr kumimoji="1" lang="ja-JP" altLang="en-US"/>
           </a:p>
@@ -2042,7 +2042,7 @@
           <a:p>
             <a:fld id="{1E5ACCFD-1DF3-462C-887A-F56A8B6C9A63}" type="datetimeFigureOut">
               <a:rPr kumimoji="1" lang="ja-JP" altLang="en-US" smtClean="0"/>
-              <a:t>2024/10/10</a:t>
+              <a:t>2024/10/22</a:t>
             </a:fld>
             <a:endParaRPr kumimoji="1" lang="ja-JP" altLang="en-US"/>
           </a:p>
@@ -2183,7 +2183,7 @@
           <a:p>
             <a:fld id="{1E5ACCFD-1DF3-462C-887A-F56A8B6C9A63}" type="datetimeFigureOut">
               <a:rPr kumimoji="1" lang="ja-JP" altLang="en-US" smtClean="0"/>
-              <a:t>2024/10/10</a:t>
+              <a:t>2024/10/22</a:t>
             </a:fld>
             <a:endParaRPr kumimoji="1" lang="ja-JP" altLang="en-US"/>
           </a:p>
@@ -2296,7 +2296,7 @@
           <a:p>
             <a:fld id="{1E5ACCFD-1DF3-462C-887A-F56A8B6C9A63}" type="datetimeFigureOut">
               <a:rPr kumimoji="1" lang="ja-JP" altLang="en-US" smtClean="0"/>
-              <a:t>2024/10/10</a:t>
+              <a:t>2024/10/22</a:t>
             </a:fld>
             <a:endParaRPr kumimoji="1" lang="ja-JP" altLang="en-US"/>
           </a:p>
@@ -2639,7 +2639,7 @@
           <a:p>
             <a:fld id="{1E5ACCFD-1DF3-462C-887A-F56A8B6C9A63}" type="datetimeFigureOut">
               <a:rPr kumimoji="1" lang="ja-JP" altLang="en-US" smtClean="0"/>
-              <a:t>2024/10/10</a:t>
+              <a:t>2024/10/22</a:t>
             </a:fld>
             <a:endParaRPr kumimoji="1" lang="ja-JP" altLang="en-US"/>
           </a:p>
@@ -2927,7 +2927,7 @@
           <a:p>
             <a:fld id="{1E5ACCFD-1DF3-462C-887A-F56A8B6C9A63}" type="datetimeFigureOut">
               <a:rPr kumimoji="1" lang="ja-JP" altLang="en-US" smtClean="0"/>
-              <a:t>2024/10/10</a:t>
+              <a:t>2024/10/22</a:t>
             </a:fld>
             <a:endParaRPr kumimoji="1" lang="ja-JP" altLang="en-US"/>
           </a:p>
@@ -3200,7 +3200,7 @@
           <a:p>
             <a:fld id="{1E5ACCFD-1DF3-462C-887A-F56A8B6C9A63}" type="datetimeFigureOut">
               <a:rPr kumimoji="1" lang="ja-JP" altLang="en-US" smtClean="0"/>
-              <a:t>2024/10/10</a:t>
+              <a:t>2024/10/22</a:t>
             </a:fld>
             <a:endParaRPr kumimoji="1" lang="ja-JP" altLang="en-US"/>
           </a:p>
@@ -3723,7 +3723,7 @@
         <p:spPr>
           <a:xfrm>
             <a:off x="295564" y="175491"/>
-            <a:ext cx="11804072" cy="5016758"/>
+            <a:ext cx="11804072" cy="5509200"/>
           </a:xfrm>
           <a:prstGeom prst="rect">
             <a:avLst/>
@@ -3738,7 +3738,19 @@
           <a:p>
             <a:r>
               <a:rPr lang="ja-JP" altLang="en-US" sz="3200" dirty="0"/>
-              <a:t>タイトル名：決まってない</a:t>
+              <a:t>タイトル名：クラッチ・スラッガー</a:t>
+            </a:r>
+            <a:r>
+              <a:rPr lang="en-US" altLang="ja-JP" sz="3200" dirty="0"/>
+              <a:t>(Clutch Slugger </a:t>
+            </a:r>
+            <a:r>
+              <a:rPr lang="ja-JP" altLang="en-US" sz="3200"/>
+              <a:t>略：クラスラ</a:t>
+            </a:r>
+            <a:r>
+              <a:rPr lang="en-US" altLang="ja-JP" sz="3200"/>
+              <a:t>)</a:t>
             </a:r>
             <a:endParaRPr lang="en-US" altLang="ja-JP" sz="3200" dirty="0"/>
           </a:p>

--- a/新しいフォルダー/2024後期ゲーム企画書.pptx
+++ b/新しいフォルダー/2024後期ゲーム企画書.pptx
@@ -263,7 +263,7 @@
           <a:p>
             <a:fld id="{1E5ACCFD-1DF3-462C-887A-F56A8B6C9A63}" type="datetimeFigureOut">
               <a:rPr kumimoji="1" lang="ja-JP" altLang="en-US" smtClean="0"/>
-              <a:t>2024/11/28</a:t>
+              <a:t>2024/12/6</a:t>
             </a:fld>
             <a:endParaRPr kumimoji="1" lang="ja-JP" altLang="en-US"/>
           </a:p>
@@ -493,7 +493,7 @@
           <a:p>
             <a:fld id="{1E5ACCFD-1DF3-462C-887A-F56A8B6C9A63}" type="datetimeFigureOut">
               <a:rPr kumimoji="1" lang="ja-JP" altLang="en-US" smtClean="0"/>
-              <a:t>2024/11/28</a:t>
+              <a:t>2024/12/6</a:t>
             </a:fld>
             <a:endParaRPr kumimoji="1" lang="ja-JP" altLang="en-US"/>
           </a:p>
@@ -733,7 +733,7 @@
           <a:p>
             <a:fld id="{1E5ACCFD-1DF3-462C-887A-F56A8B6C9A63}" type="datetimeFigureOut">
               <a:rPr kumimoji="1" lang="ja-JP" altLang="en-US" smtClean="0"/>
-              <a:t>2024/11/28</a:t>
+              <a:t>2024/12/6</a:t>
             </a:fld>
             <a:endParaRPr kumimoji="1" lang="ja-JP" altLang="en-US"/>
           </a:p>
@@ -963,7 +963,7 @@
           <a:p>
             <a:fld id="{1E5ACCFD-1DF3-462C-887A-F56A8B6C9A63}" type="datetimeFigureOut">
               <a:rPr kumimoji="1" lang="ja-JP" altLang="en-US" smtClean="0"/>
-              <a:t>2024/11/28</a:t>
+              <a:t>2024/12/6</a:t>
             </a:fld>
             <a:endParaRPr kumimoji="1" lang="ja-JP" altLang="en-US"/>
           </a:p>
@@ -1238,7 +1238,7 @@
           <a:p>
             <a:fld id="{1E5ACCFD-1DF3-462C-887A-F56A8B6C9A63}" type="datetimeFigureOut">
               <a:rPr kumimoji="1" lang="ja-JP" altLang="en-US" smtClean="0"/>
-              <a:t>2024/11/28</a:t>
+              <a:t>2024/12/6</a:t>
             </a:fld>
             <a:endParaRPr kumimoji="1" lang="ja-JP" altLang="en-US"/>
           </a:p>
@@ -1567,7 +1567,7 @@
           <a:p>
             <a:fld id="{1E5ACCFD-1DF3-462C-887A-F56A8B6C9A63}" type="datetimeFigureOut">
               <a:rPr kumimoji="1" lang="ja-JP" altLang="en-US" smtClean="0"/>
-              <a:t>2024/11/28</a:t>
+              <a:t>2024/12/6</a:t>
             </a:fld>
             <a:endParaRPr kumimoji="1" lang="ja-JP" altLang="en-US"/>
           </a:p>
@@ -2043,7 +2043,7 @@
           <a:p>
             <a:fld id="{1E5ACCFD-1DF3-462C-887A-F56A8B6C9A63}" type="datetimeFigureOut">
               <a:rPr kumimoji="1" lang="ja-JP" altLang="en-US" smtClean="0"/>
-              <a:t>2024/11/28</a:t>
+              <a:t>2024/12/6</a:t>
             </a:fld>
             <a:endParaRPr kumimoji="1" lang="ja-JP" altLang="en-US"/>
           </a:p>
@@ -2184,7 +2184,7 @@
           <a:p>
             <a:fld id="{1E5ACCFD-1DF3-462C-887A-F56A8B6C9A63}" type="datetimeFigureOut">
               <a:rPr kumimoji="1" lang="ja-JP" altLang="en-US" smtClean="0"/>
-              <a:t>2024/11/28</a:t>
+              <a:t>2024/12/6</a:t>
             </a:fld>
             <a:endParaRPr kumimoji="1" lang="ja-JP" altLang="en-US"/>
           </a:p>
@@ -2297,7 +2297,7 @@
           <a:p>
             <a:fld id="{1E5ACCFD-1DF3-462C-887A-F56A8B6C9A63}" type="datetimeFigureOut">
               <a:rPr kumimoji="1" lang="ja-JP" altLang="en-US" smtClean="0"/>
-              <a:t>2024/11/28</a:t>
+              <a:t>2024/12/6</a:t>
             </a:fld>
             <a:endParaRPr kumimoji="1" lang="ja-JP" altLang="en-US"/>
           </a:p>
@@ -2640,7 +2640,7 @@
           <a:p>
             <a:fld id="{1E5ACCFD-1DF3-462C-887A-F56A8B6C9A63}" type="datetimeFigureOut">
               <a:rPr kumimoji="1" lang="ja-JP" altLang="en-US" smtClean="0"/>
-              <a:t>2024/11/28</a:t>
+              <a:t>2024/12/6</a:t>
             </a:fld>
             <a:endParaRPr kumimoji="1" lang="ja-JP" altLang="en-US"/>
           </a:p>
@@ -2928,7 +2928,7 @@
           <a:p>
             <a:fld id="{1E5ACCFD-1DF3-462C-887A-F56A8B6C9A63}" type="datetimeFigureOut">
               <a:rPr kumimoji="1" lang="ja-JP" altLang="en-US" smtClean="0"/>
-              <a:t>2024/11/28</a:t>
+              <a:t>2024/12/6</a:t>
             </a:fld>
             <a:endParaRPr kumimoji="1" lang="ja-JP" altLang="en-US"/>
           </a:p>
@@ -3201,7 +3201,7 @@
           <a:p>
             <a:fld id="{1E5ACCFD-1DF3-462C-887A-F56A8B6C9A63}" type="datetimeFigureOut">
               <a:rPr kumimoji="1" lang="ja-JP" altLang="en-US" smtClean="0"/>
-              <a:t>2024/11/28</a:t>
+              <a:t>2024/12/6</a:t>
             </a:fld>
             <a:endParaRPr kumimoji="1" lang="ja-JP" altLang="en-US"/>
           </a:p>
@@ -3724,7 +3724,7 @@
         <p:spPr>
           <a:xfrm>
             <a:off x="295564" y="175491"/>
-            <a:ext cx="11804072" cy="4524315"/>
+            <a:ext cx="11804072" cy="4031873"/>
           </a:xfrm>
           <a:prstGeom prst="rect">
             <a:avLst/>
@@ -3739,11 +3739,11 @@
           <a:p>
             <a:r>
               <a:rPr lang="ja-JP" altLang="en-US" sz="3200" dirty="0"/>
-              <a:t>タイトル名：クラッチ・スラッガー</a:t>
-            </a:r>
-            <a:r>
-              <a:rPr lang="en-US" altLang="ja-JP" sz="3200" dirty="0"/>
-              <a:t>(Clutch Slugger </a:t>
+              <a:t>タイトル名：</a:t>
+            </a:r>
+            <a:r>
+              <a:rPr lang="en-US" altLang="ja-JP" sz="3200"/>
+              <a:t> Clutch Slugger (</a:t>
             </a:r>
             <a:r>
               <a:rPr lang="ja-JP" altLang="en-US" sz="3200" dirty="0"/>
@@ -3938,11 +3938,11 @@
               <a:t>守備側：左クリックまたはスペースキー</a:t>
             </a:r>
             <a:r>
-              <a:rPr lang="en-US" altLang="ja-JP" sz="2400" dirty="0" smtClean="0"/>
+              <a:rPr lang="en-US" altLang="ja-JP" sz="2400" dirty="0"/>
               <a:t>…</a:t>
             </a:r>
             <a:r>
-              <a:rPr lang="ja-JP" altLang="en-US" sz="2400" dirty="0" smtClean="0"/>
+              <a:rPr lang="ja-JP" altLang="en-US" sz="2400" dirty="0"/>
               <a:t>守備巨大化</a:t>
             </a:r>
             <a:endParaRPr lang="en-US" altLang="ja-JP" sz="2400" dirty="0"/>
@@ -3954,29 +3954,17 @@
             </a:r>
             <a:r>
               <a:rPr lang="ja-JP" altLang="en-US" sz="2400" dirty="0"/>
-              <a:t>　右</a:t>
-            </a:r>
+              <a:t>　右クリック＆左クリック</a:t>
+            </a:r>
+            <a:endParaRPr lang="en-US" altLang="ja-JP" sz="2400" dirty="0"/>
+          </a:p>
+          <a:p>
             <a:r>
               <a:rPr lang="ja-JP" altLang="en-US" sz="2400" dirty="0"/>
-              <a:t>クリック＆左</a:t>
-            </a:r>
-            <a:r>
-              <a:rPr lang="ja-JP" altLang="en-US" sz="2400" dirty="0" smtClean="0"/>
-              <a:t>クリック</a:t>
-            </a:r>
-            <a:endParaRPr lang="en-US" altLang="ja-JP" sz="2400" dirty="0" smtClean="0"/>
-          </a:p>
-          <a:p>
-            <a:r>
-              <a:rPr lang="ja-JP" altLang="en-US" sz="2400" dirty="0" smtClean="0"/>
-              <a:t>また</a:t>
-            </a:r>
-            <a:r>
-              <a:rPr lang="ja-JP" altLang="en-US" sz="2400" dirty="0" smtClean="0"/>
-              <a:t>は</a:t>
-            </a:r>
-            <a:r>
-              <a:rPr lang="en-US" altLang="ja-JP" sz="2400" dirty="0" smtClean="0"/>
+              <a:t>または</a:t>
+            </a:r>
+            <a:r>
+              <a:rPr lang="en-US" altLang="ja-JP" sz="2400" dirty="0"/>
               <a:t>A</a:t>
             </a:r>
             <a:r>
@@ -3984,29 +3972,29 @@
               <a:t>キー＆スペースキー</a:t>
             </a:r>
             <a:r>
-              <a:rPr lang="en-US" altLang="ja-JP" sz="2400" dirty="0" smtClean="0"/>
+              <a:rPr lang="en-US" altLang="ja-JP" sz="2400" dirty="0"/>
               <a:t>…</a:t>
             </a:r>
             <a:r>
-              <a:rPr lang="ja-JP" altLang="en-US" sz="2400" dirty="0" smtClean="0"/>
+              <a:rPr lang="ja-JP" altLang="en-US" sz="2400" dirty="0"/>
               <a:t>守備巨大化</a:t>
             </a:r>
-            <a:endParaRPr lang="en-US" altLang="ja-JP" sz="2400" dirty="0" smtClean="0"/>
-          </a:p>
-          <a:p>
-            <a:r>
-              <a:rPr lang="ja-JP" altLang="en-US" sz="2400" dirty="0" smtClean="0"/>
+            <a:endParaRPr lang="en-US" altLang="ja-JP" sz="2400" dirty="0"/>
+          </a:p>
+          <a:p>
+            <a:r>
+              <a:rPr lang="ja-JP" altLang="en-US" sz="2400" dirty="0"/>
               <a:t>攻撃側：左クリックまたはスペースキー</a:t>
             </a:r>
             <a:r>
-              <a:rPr lang="en-US" altLang="ja-JP" sz="2400" dirty="0" smtClean="0"/>
+              <a:rPr lang="en-US" altLang="ja-JP" sz="2400" dirty="0"/>
               <a:t>…</a:t>
             </a:r>
             <a:r>
-              <a:rPr lang="ja-JP" altLang="en-US" sz="2400" dirty="0" smtClean="0"/>
+              <a:rPr lang="ja-JP" altLang="en-US" sz="2400" dirty="0"/>
               <a:t>スイング</a:t>
             </a:r>
-            <a:endParaRPr lang="en-US" altLang="ja-JP" sz="2400" dirty="0" smtClean="0"/>
+            <a:endParaRPr lang="en-US" altLang="ja-JP" sz="2400" dirty="0"/>
           </a:p>
           <a:p>
             <a:r>
@@ -4042,7 +4030,7 @@
               <a:t>角度がつき強く打ち返すことが可能</a:t>
             </a:r>
             <a:r>
-              <a:rPr lang="en-US" altLang="ja-JP" sz="2400" dirty="0" smtClean="0"/>
+              <a:rPr lang="en-US" altLang="ja-JP" sz="2400" dirty="0"/>
               <a:t>)</a:t>
             </a:r>
           </a:p>
@@ -4056,19 +4044,19 @@
               <a:t>　</a:t>
             </a:r>
             <a:r>
-              <a:rPr lang="en-US" altLang="ja-JP" sz="2400" dirty="0" smtClean="0"/>
+              <a:rPr lang="en-US" altLang="ja-JP" sz="2400" dirty="0"/>
               <a:t>1</a:t>
             </a:r>
             <a:r>
-              <a:rPr lang="ja-JP" altLang="en-US" sz="2400" dirty="0" smtClean="0"/>
+              <a:rPr lang="ja-JP" altLang="en-US" sz="2400" dirty="0"/>
               <a:t>攻撃につき</a:t>
             </a:r>
             <a:r>
-              <a:rPr lang="en-US" altLang="ja-JP" sz="2400" dirty="0" smtClean="0"/>
+              <a:rPr lang="en-US" altLang="ja-JP" sz="2400" dirty="0"/>
               <a:t>1</a:t>
             </a:r>
             <a:r>
-              <a:rPr lang="ja-JP" altLang="en-US" sz="2400" dirty="0" smtClean="0"/>
+              <a:rPr lang="ja-JP" altLang="en-US" sz="2400" dirty="0"/>
               <a:t>回</a:t>
             </a:r>
             <a:endParaRPr lang="en-US" altLang="ja-JP" sz="2400" dirty="0"/>
@@ -4444,7 +4432,7 @@
         <p:spPr>
           <a:xfrm>
             <a:off x="8697539" y="184727"/>
-            <a:ext cx="3494461" cy="4524315"/>
+            <a:ext cx="3494461" cy="5078313"/>
           </a:xfrm>
           <a:prstGeom prst="rect">
             <a:avLst/>
@@ -4526,12 +4514,8 @@
               <a:t>…</a:t>
             </a:r>
             <a:r>
-              <a:rPr kumimoji="1" lang="ja-JP" altLang="en-US"/>
-              <a:t>ボールが当たると、得点</a:t>
-            </a:r>
-            <a:r>
               <a:rPr kumimoji="1" lang="ja-JP" altLang="en-US" dirty="0"/>
-              <a:t>が</a:t>
+              <a:t>ボールが当たると、得点が</a:t>
             </a:r>
             <a:r>
               <a:rPr kumimoji="1" lang="en-US" altLang="ja-JP" dirty="0"/>
@@ -4587,6 +4571,19 @@
             <a:r>
               <a:rPr lang="en-US" altLang="ja-JP" dirty="0"/>
               <a:t>)</a:t>
+            </a:r>
+          </a:p>
+          <a:p>
+            <a:endParaRPr kumimoji="1" lang="en-US" altLang="ja-JP" dirty="0"/>
+          </a:p>
+          <a:p>
+            <a:r>
+              <a:rPr lang="en-US" altLang="ja-JP" dirty="0"/>
+              <a:t>※</a:t>
+            </a:r>
+            <a:r>
+              <a:rPr lang="ja-JP" altLang="en-US" dirty="0"/>
+              <a:t>制作中の画像になります。</a:t>
             </a:r>
             <a:endParaRPr kumimoji="1" lang="ja-JP" altLang="en-US" dirty="0"/>
           </a:p>
@@ -4637,7 +4634,7 @@
         <p:spPr>
           <a:xfrm>
             <a:off x="0" y="0"/>
-            <a:ext cx="11804072" cy="3693319"/>
+            <a:ext cx="11804072" cy="4062651"/>
           </a:xfrm>
           <a:prstGeom prst="rect">
             <a:avLst/>
@@ -4652,12 +4649,8 @@
           <a:p>
             <a:pPr algn="ctr"/>
             <a:r>
-              <a:rPr lang="ja-JP" altLang="en-US" sz="6600" smtClean="0"/>
-              <a:t>操作</a:t>
-            </a:r>
-            <a:r>
               <a:rPr lang="ja-JP" altLang="en-US" sz="6600" dirty="0"/>
-              <a:t>方法</a:t>
+              <a:t>操作方法</a:t>
             </a:r>
             <a:endParaRPr lang="en-US" altLang="ja-JP" sz="6600" dirty="0"/>
           </a:p>
@@ -4667,11 +4660,11 @@
               <a:t>守備側：左クリックまたはスペースキー</a:t>
             </a:r>
             <a:r>
-              <a:rPr lang="en-US" altLang="ja-JP" sz="2400" dirty="0" smtClean="0"/>
+              <a:rPr lang="en-US" altLang="ja-JP" sz="2400" dirty="0"/>
               <a:t>…</a:t>
             </a:r>
             <a:r>
-              <a:rPr lang="ja-JP" altLang="en-US" sz="2400" dirty="0" smtClean="0"/>
+              <a:rPr lang="ja-JP" altLang="en-US" sz="2400" dirty="0"/>
               <a:t>守備巨大化</a:t>
             </a:r>
             <a:endParaRPr lang="en-US" altLang="ja-JP" sz="2400" dirty="0"/>
@@ -4683,29 +4676,17 @@
             </a:r>
             <a:r>
               <a:rPr lang="ja-JP" altLang="en-US" sz="2400" dirty="0"/>
-              <a:t>　右</a:t>
-            </a:r>
+              <a:t>　右クリック＆左クリック</a:t>
+            </a:r>
+            <a:endParaRPr lang="en-US" altLang="ja-JP" sz="2400" dirty="0"/>
+          </a:p>
+          <a:p>
             <a:r>
               <a:rPr lang="ja-JP" altLang="en-US" sz="2400" dirty="0"/>
-              <a:t>クリック＆左</a:t>
-            </a:r>
-            <a:r>
-              <a:rPr lang="ja-JP" altLang="en-US" sz="2400" dirty="0" smtClean="0"/>
-              <a:t>クリック</a:t>
-            </a:r>
-            <a:endParaRPr lang="en-US" altLang="ja-JP" sz="2400" dirty="0" smtClean="0"/>
-          </a:p>
-          <a:p>
-            <a:r>
-              <a:rPr lang="ja-JP" altLang="en-US" sz="2400" dirty="0" smtClean="0"/>
-              <a:t>また</a:t>
-            </a:r>
-            <a:r>
-              <a:rPr lang="ja-JP" altLang="en-US" sz="2400" dirty="0" smtClean="0"/>
-              <a:t>は</a:t>
-            </a:r>
-            <a:r>
-              <a:rPr lang="en-US" altLang="ja-JP" sz="2400" dirty="0" smtClean="0"/>
+              <a:t>または</a:t>
+            </a:r>
+            <a:r>
+              <a:rPr lang="en-US" altLang="ja-JP" sz="2400" dirty="0"/>
               <a:t>A</a:t>
             </a:r>
             <a:r>
@@ -4713,29 +4694,29 @@
               <a:t>キー＆スペースキー</a:t>
             </a:r>
             <a:r>
-              <a:rPr lang="en-US" altLang="ja-JP" sz="2400" dirty="0" smtClean="0"/>
+              <a:rPr lang="en-US" altLang="ja-JP" sz="2400" dirty="0"/>
               <a:t>…</a:t>
             </a:r>
             <a:r>
-              <a:rPr lang="ja-JP" altLang="en-US" sz="2400" dirty="0" smtClean="0"/>
+              <a:rPr lang="ja-JP" altLang="en-US" sz="2400" dirty="0"/>
               <a:t>守備巨大化</a:t>
             </a:r>
-            <a:endParaRPr lang="en-US" altLang="ja-JP" sz="2400" dirty="0" smtClean="0"/>
-          </a:p>
-          <a:p>
-            <a:r>
-              <a:rPr lang="ja-JP" altLang="en-US" sz="2400" dirty="0" smtClean="0"/>
+            <a:endParaRPr lang="en-US" altLang="ja-JP" sz="2400" dirty="0"/>
+          </a:p>
+          <a:p>
+            <a:r>
+              <a:rPr lang="ja-JP" altLang="en-US" sz="2400" dirty="0"/>
               <a:t>攻撃側：左クリックまたはスペースキー</a:t>
             </a:r>
             <a:r>
-              <a:rPr lang="en-US" altLang="ja-JP" sz="2400" dirty="0" smtClean="0"/>
+              <a:rPr lang="en-US" altLang="ja-JP" sz="2400" dirty="0"/>
               <a:t>…</a:t>
             </a:r>
             <a:r>
-              <a:rPr lang="ja-JP" altLang="en-US" sz="2400" dirty="0" smtClean="0"/>
+              <a:rPr lang="ja-JP" altLang="en-US" sz="2400" dirty="0"/>
               <a:t>スイング</a:t>
             </a:r>
-            <a:endParaRPr lang="en-US" altLang="ja-JP" sz="2400" dirty="0" smtClean="0"/>
+            <a:endParaRPr lang="en-US" altLang="ja-JP" sz="2400" dirty="0"/>
           </a:p>
           <a:p>
             <a:r>
@@ -4760,7 +4741,7 @@
             </a:r>
             <a:r>
               <a:rPr lang="ja-JP" altLang="en-US" sz="2400" dirty="0"/>
-              <a:t>強スイング</a:t>
+              <a:t>ランダムスイング</a:t>
             </a:r>
             <a:r>
               <a:rPr lang="en-US" altLang="ja-JP" sz="2400" dirty="0"/>
@@ -4768,11 +4749,11 @@
             </a:r>
             <a:r>
               <a:rPr lang="ja-JP" altLang="en-US" sz="2400" dirty="0"/>
-              <a:t>角度がつき強く打ち返すことが可能</a:t>
-            </a:r>
-            <a:r>
-              <a:rPr lang="en-US" altLang="ja-JP" sz="2400" dirty="0" smtClean="0"/>
-              <a:t>)</a:t>
+              <a:t>運ゲー要素、ホームランか打ち損じるか</a:t>
+            </a:r>
+            <a:r>
+              <a:rPr lang="en-US" altLang="ja-JP" sz="2400" dirty="0"/>
+              <a:t>…)</a:t>
             </a:r>
           </a:p>
           <a:p>
@@ -4785,19 +4766,19 @@
               <a:t>　</a:t>
             </a:r>
             <a:r>
-              <a:rPr lang="en-US" altLang="ja-JP" sz="2400" dirty="0" smtClean="0"/>
+              <a:rPr lang="en-US" altLang="ja-JP" sz="2400" dirty="0"/>
               <a:t>1</a:t>
             </a:r>
             <a:r>
-              <a:rPr lang="ja-JP" altLang="en-US" sz="2400" dirty="0" smtClean="0"/>
+              <a:rPr lang="ja-JP" altLang="en-US" sz="2400" dirty="0"/>
               <a:t>攻撃につき</a:t>
             </a:r>
             <a:r>
-              <a:rPr lang="en-US" altLang="ja-JP" sz="2400" dirty="0" smtClean="0"/>
+              <a:rPr lang="en-US" altLang="ja-JP" sz="2400" dirty="0"/>
               <a:t>1</a:t>
             </a:r>
             <a:r>
-              <a:rPr lang="ja-JP" altLang="en-US" sz="2400" dirty="0" smtClean="0"/>
+              <a:rPr lang="ja-JP" altLang="en-US" sz="2400" dirty="0"/>
               <a:t>回</a:t>
             </a:r>
             <a:endParaRPr lang="en-US" altLang="ja-JP" sz="2400" dirty="0"/>
